--- a/20200311/GitHub 101 - Stijn & Merlijn/Git(Hub) 101.pptx
+++ b/20200311/GitHub 101 - Stijn & Merlijn/Git(Hub) 101.pptx
@@ -5,7 +5,7 @@
     <p:sldMasterId id="2147483662" r:id="rId1"/>
   </p:sldMasterIdLst>
   <p:notesMasterIdLst>
-    <p:notesMasterId r:id="rId12"/>
+    <p:notesMasterId r:id="rId14"/>
   </p:notesMasterIdLst>
   <p:sldIdLst>
     <p:sldId id="270" r:id="rId2"/>
@@ -18,6 +18,8 @@
     <p:sldId id="276" r:id="rId9"/>
     <p:sldId id="279" r:id="rId10"/>
     <p:sldId id="278" r:id="rId11"/>
+    <p:sldId id="280" r:id="rId12"/>
+    <p:sldId id="281" r:id="rId13"/>
   </p:sldIdLst>
   <p:sldSz cx="12192000" cy="6858000"/>
   <p:notesSz cx="6858000" cy="9144000"/>
@@ -116,6 +118,14 @@
       </a:defRPr>
     </a:lvl9pPr>
   </p:defaultTextStyle>
+  <p:extLst>
+    <p:ext uri="{EFAFB233-063F-42B5-8137-9DF3F51BA10A}">
+      <p15:sldGuideLst xmlns:p15="http://schemas.microsoft.com/office/powerpoint/2012/main"/>
+    </p:ext>
+    <p:ext uri="{2D200454-40CA-4A62-9FC3-DE9A4176ACB9}">
+      <p15:notesGuideLst xmlns:p15="http://schemas.microsoft.com/office/powerpoint/2012/main"/>
+    </p:ext>
+  </p:extLst>
 </p:presentation>
 </file>
 
@@ -6369,7 +6379,7 @@
           <a:p>
             <a:fld id="{DECBF773-60E0-4FEE-98B8-9797A52F211A}" type="datetimeFigureOut">
               <a:rPr lang="en-GB" smtClean="0"/>
-              <a:t>08/03/2020</a:t>
+              <a:t>10/03/2020</a:t>
             </a:fld>
             <a:endParaRPr lang="en-GB"/>
           </a:p>
@@ -6528,7 +6538,7 @@
           <a:p>
             <a:fld id="{6A84B52F-F951-48F2-B01C-000414E6EFCE}" type="slidenum">
               <a:rPr lang="en-GB" smtClean="0"/>
-              <a:t>‹nr.›</a:t>
+              <a:t>‹#›</a:t>
             </a:fld>
             <a:endParaRPr lang="en-GB"/>
           </a:p>
@@ -9568,8 +9578,8 @@
           </a:p>
         </p:txBody>
       </p:sp>
-      <mc:AlternateContent xmlns:mc="http://schemas.openxmlformats.org/markup-compatibility/2006" xmlns:am3d="http://schemas.microsoft.com/office/drawing/2017/model3d">
-        <mc:Choice Requires="am3d">
+      <mc:AlternateContent xmlns:mc="http://schemas.openxmlformats.org/markup-compatibility/2006">
+        <mc:Choice xmlns:am3d="http://schemas.microsoft.com/office/drawing/2017/model3d" Requires="am3d">
           <p:graphicFrame>
             <p:nvGraphicFramePr>
               <p:cNvPr id="15" name="3D Model 7" descr="PowerShell 3D">
@@ -9665,7 +9675,7 @@
             </a:graphic>
           </p:graphicFrame>
         </mc:Choice>
-        <mc:Fallback xmlns="">
+        <mc:Fallback>
           <p:pic>
             <p:nvPicPr>
               <p:cNvPr id="15" name="3D Model 7" descr="PowerShell 3D">
@@ -9681,7 +9691,7 @@
               <p:nvPr/>
             </p:nvPicPr>
             <p:blipFill>
-              <a:blip r:embed="rId17"/>
+              <a:blip r:embed="rId16"/>
               <a:stretch>
                 <a:fillRect/>
               </a:stretch>
@@ -9726,7 +9736,7 @@
             <p:nvPr/>
           </p:nvPicPr>
           <p:blipFill>
-            <a:blip r:embed="rId18" cstate="print">
+            <a:blip r:embed="rId17" cstate="print">
               <a:extLst>
                 <a:ext uri="{28A0092B-C50C-407E-A947-70E740481C1C}">
                   <a14:useLocalDpi xmlns:a14="http://schemas.microsoft.com/office/drawing/2010/main" val="0"/>
@@ -9756,7 +9766,7 @@
             <p:nvPr/>
           </p:nvPicPr>
           <p:blipFill>
-            <a:blip r:embed="rId19" cstate="print">
+            <a:blip r:embed="rId18" cstate="print">
               <a:extLst>
                 <a:ext uri="{28A0092B-C50C-407E-A947-70E740481C1C}">
                   <a14:useLocalDpi xmlns:a14="http://schemas.microsoft.com/office/drawing/2010/main" val="0"/>
@@ -9824,8 +9834,8 @@
           </a:p>
         </p:txBody>
       </p:sp>
-      <mc:AlternateContent xmlns:mc="http://schemas.openxmlformats.org/markup-compatibility/2006" xmlns:am3d="http://schemas.microsoft.com/office/drawing/2017/model3d">
-        <mc:Choice Requires="am3d">
+      <mc:AlternateContent xmlns:mc="http://schemas.openxmlformats.org/markup-compatibility/2006">
+        <mc:Choice xmlns:am3d="http://schemas.microsoft.com/office/drawing/2017/model3d" Requires="am3d">
           <p:graphicFrame>
             <p:nvGraphicFramePr>
               <p:cNvPr id="14" name="3D Model 7" descr="PowerShell 3D">
@@ -9915,13 +9925,13 @@
             </a:graphic>
           </p:graphicFrame>
         </mc:Choice>
-        <mc:Fallback xmlns="">
+        <mc:Fallback>
           <p:pic>
             <p:nvPicPr>
-              <p:cNvPr id="15" name="3D Model 7" descr="PowerShell 3D">
+              <p:cNvPr id="14" name="3D Model 7" descr="PowerShell 3D">
                 <a:extLst>
                   <a:ext uri="{FF2B5EF4-FFF2-40B4-BE49-F238E27FC236}">
-                    <a16:creationId xmlns:a16="http://schemas.microsoft.com/office/drawing/2014/main" id="{0C09D06E-8B89-4844-A736-433BD2C7F97C}"/>
+                    <a16:creationId xmlns:a16="http://schemas.microsoft.com/office/drawing/2014/main" id="{EAC98104-17F0-4401-8912-85438ECD4FEC}"/>
                   </a:ext>
                 </a:extLst>
               </p:cNvPr>
@@ -9931,7 +9941,7 @@
               <p:nvPr/>
             </p:nvPicPr>
             <p:blipFill>
-              <a:blip r:embed="rId20"/>
+              <a:blip r:embed="rId16"/>
               <a:stretch>
                 <a:fillRect/>
               </a:stretch>
@@ -9988,7 +9998,7 @@
             <p:nvPr userDrawn="1"/>
           </p:nvPicPr>
           <p:blipFill>
-            <a:blip r:embed="rId18" cstate="print">
+            <a:blip r:embed="rId17" cstate="print">
               <a:extLst>
                 <a:ext uri="{28A0092B-C50C-407E-A947-70E740481C1C}">
                   <a14:useLocalDpi xmlns:a14="http://schemas.microsoft.com/office/drawing/2010/main" val="0"/>
@@ -10024,7 +10034,7 @@
             <p:nvPr userDrawn="1"/>
           </p:nvPicPr>
           <p:blipFill>
-            <a:blip r:embed="rId19" cstate="print">
+            <a:blip r:embed="rId18" cstate="print">
               <a:extLst>
                 <a:ext uri="{28A0092B-C50C-407E-A947-70E740481C1C}">
                   <a14:useLocalDpi xmlns:a14="http://schemas.microsoft.com/office/drawing/2010/main" val="0"/>
@@ -10899,6 +10909,10 @@
           <a:lstStyle/>
           <a:p>
             <a:r>
+              <a:rPr lang="en-BE" dirty="0"/>
+              <a:t>Free </a:t>
+            </a:r>
+            <a:r>
               <a:rPr lang="en-US" dirty="0"/>
               <a:t>Git(Hub) clients on Windows</a:t>
             </a:r>
@@ -11073,6 +11087,694 @@
 </p:sld>
 </file>
 
+<file path=ppt/slides/slide11.xml><?xml version="1.0" encoding="utf-8"?>
+<p:sld xmlns:a="http://schemas.openxmlformats.org/drawingml/2006/main" xmlns:r="http://schemas.openxmlformats.org/officeDocument/2006/relationships" xmlns:p="http://schemas.openxmlformats.org/presentationml/2006/main">
+  <p:cSld>
+    <p:spTree>
+      <p:nvGrpSpPr>
+        <p:cNvPr id="1" name=""/>
+        <p:cNvGrpSpPr/>
+        <p:nvPr/>
+      </p:nvGrpSpPr>
+      <p:grpSpPr>
+        <a:xfrm>
+          <a:off x="0" y="0"/>
+          <a:ext cx="0" cy="0"/>
+          <a:chOff x="0" y="0"/>
+          <a:chExt cx="0" cy="0"/>
+        </a:xfrm>
+      </p:grpSpPr>
+      <p:sp>
+        <p:nvSpPr>
+          <p:cNvPr id="2" name="Title 1">
+            <a:extLst>
+              <a:ext uri="{FF2B5EF4-FFF2-40B4-BE49-F238E27FC236}">
+                <a16:creationId xmlns:a16="http://schemas.microsoft.com/office/drawing/2014/main" id="{6736FF8B-0DBC-4E99-B87B-F3AB331E190B}"/>
+              </a:ext>
+            </a:extLst>
+          </p:cNvPr>
+          <p:cNvSpPr>
+            <a:spLocks noGrp="1"/>
+          </p:cNvSpPr>
+          <p:nvPr>
+            <p:ph type="title"/>
+          </p:nvPr>
+        </p:nvSpPr>
+        <p:spPr/>
+        <p:txBody>
+          <a:bodyPr/>
+          <a:lstStyle/>
+          <a:p>
+            <a:r>
+              <a:rPr lang="fr-BE" dirty="0"/>
+              <a:t>T</a:t>
+            </a:r>
+            <a:r>
+              <a:rPr lang="en-BE" dirty="0"/>
+              <a:t>h</a:t>
+            </a:r>
+            <a:r>
+              <a:rPr lang="fr-BE" dirty="0"/>
+              <a:t>i</a:t>
+            </a:r>
+            <a:r>
+              <a:rPr lang="en-BE" dirty="0"/>
+              <a:t>n</a:t>
+            </a:r>
+            <a:r>
+              <a:rPr lang="fr-BE" dirty="0"/>
+              <a:t>g</a:t>
+            </a:r>
+            <a:r>
+              <a:rPr lang="en-BE" dirty="0"/>
+              <a:t>s to know</a:t>
+            </a:r>
+          </a:p>
+        </p:txBody>
+      </p:sp>
+      <p:sp>
+        <p:nvSpPr>
+          <p:cNvPr id="3" name="Content Placeholder 2">
+            <a:extLst>
+              <a:ext uri="{FF2B5EF4-FFF2-40B4-BE49-F238E27FC236}">
+                <a16:creationId xmlns:a16="http://schemas.microsoft.com/office/drawing/2014/main" id="{EB59C2B4-0293-44E0-90D5-BD944D2939FD}"/>
+              </a:ext>
+            </a:extLst>
+          </p:cNvPr>
+          <p:cNvSpPr>
+            <a:spLocks noGrp="1"/>
+          </p:cNvSpPr>
+          <p:nvPr>
+            <p:ph idx="1"/>
+          </p:nvPr>
+        </p:nvSpPr>
+        <p:spPr/>
+        <p:txBody>
+          <a:bodyPr/>
+          <a:lstStyle/>
+          <a:p>
+            <a:r>
+              <a:rPr lang="en-BE" dirty="0"/>
+              <a:t>git does not handle large files well ( &gt; 2 GB – </a:t>
+            </a:r>
+            <a:r>
+              <a:rPr lang="fr-BE" dirty="0"/>
+              <a:t>c</a:t>
+            </a:r>
+            <a:r>
+              <a:rPr lang="en-BE" dirty="0"/>
+              <a:t>h</a:t>
+            </a:r>
+            <a:r>
+              <a:rPr lang="fr-BE" dirty="0"/>
+              <a:t>e</a:t>
+            </a:r>
+            <a:r>
+              <a:rPr lang="en-BE" dirty="0"/>
+              <a:t>c</a:t>
+            </a:r>
+            <a:r>
+              <a:rPr lang="fr-BE" dirty="0"/>
+              <a:t>k</a:t>
+            </a:r>
+            <a:r>
+              <a:rPr lang="en-BE" dirty="0"/>
+              <a:t> </a:t>
+            </a:r>
+            <a:r>
+              <a:rPr lang="fr-BE" dirty="0"/>
+              <a:t>o</a:t>
+            </a:r>
+            <a:r>
+              <a:rPr lang="en-BE" dirty="0"/>
+              <a:t>u</a:t>
+            </a:r>
+            <a:r>
+              <a:rPr lang="fr-BE" dirty="0"/>
+              <a:t>t</a:t>
+            </a:r>
+            <a:r>
+              <a:rPr lang="en-BE" dirty="0"/>
+              <a:t> </a:t>
+            </a:r>
+            <a:r>
+              <a:rPr lang="fr-BE" dirty="0"/>
+              <a:t>g</a:t>
+            </a:r>
+            <a:r>
+              <a:rPr lang="en-BE" dirty="0" err="1"/>
+              <a:t>i</a:t>
+            </a:r>
+            <a:r>
+              <a:rPr lang="fr-BE" dirty="0"/>
+              <a:t>t</a:t>
+            </a:r>
+            <a:r>
+              <a:rPr lang="en-BE" dirty="0"/>
+              <a:t> </a:t>
+            </a:r>
+            <a:r>
+              <a:rPr lang="fr-BE" dirty="0"/>
+              <a:t>L</a:t>
+            </a:r>
+            <a:r>
+              <a:rPr lang="en-BE" dirty="0"/>
+              <a:t>F</a:t>
+            </a:r>
+            <a:r>
+              <a:rPr lang="fr-BE" dirty="0"/>
+              <a:t>S</a:t>
+            </a:r>
+            <a:r>
+              <a:rPr lang="en-BE"/>
+              <a:t>)</a:t>
+            </a:r>
+            <a:endParaRPr lang="en-BE" dirty="0"/>
+          </a:p>
+          <a:p>
+            <a:r>
+              <a:rPr lang="en-BE" dirty="0"/>
+              <a:t>Collaboration is not real-time</a:t>
+            </a:r>
+          </a:p>
+          <a:p>
+            <a:r>
+              <a:rPr lang="fr-BE" dirty="0"/>
+              <a:t>g</a:t>
+            </a:r>
+            <a:r>
+              <a:rPr lang="en-BE" dirty="0"/>
+              <a:t>it commands are plenty and not intuitive</a:t>
+            </a:r>
+          </a:p>
+          <a:p>
+            <a:pPr marL="457200" lvl="1" indent="0">
+              <a:buNone/>
+            </a:pPr>
+            <a:r>
+              <a:rPr lang="en-BE" dirty="0"/>
+              <a:t>- </a:t>
+            </a:r>
+            <a:r>
+              <a:rPr lang="en-BE" dirty="0" err="1"/>
+              <a:t>st</a:t>
+            </a:r>
+            <a:r>
+              <a:rPr lang="fr-BE" dirty="0"/>
+              <a:t>i</a:t>
+            </a:r>
+            <a:r>
+              <a:rPr lang="en-BE" dirty="0"/>
+              <a:t>c</a:t>
+            </a:r>
+            <a:r>
+              <a:rPr lang="fr-BE" dirty="0"/>
+              <a:t>k</a:t>
+            </a:r>
+            <a:r>
+              <a:rPr lang="en-BE" dirty="0"/>
+              <a:t> </a:t>
+            </a:r>
+            <a:r>
+              <a:rPr lang="fr-BE" dirty="0"/>
+              <a:t>t</a:t>
+            </a:r>
+            <a:r>
+              <a:rPr lang="en-BE" dirty="0"/>
+              <a:t>o </a:t>
+            </a:r>
+            <a:r>
+              <a:rPr lang="fr-BE" dirty="0"/>
+              <a:t>G</a:t>
+            </a:r>
+            <a:r>
+              <a:rPr lang="en-BE" dirty="0" err="1"/>
+              <a:t>i</a:t>
+            </a:r>
+            <a:r>
+              <a:rPr lang="fr-BE" dirty="0"/>
+              <a:t>t</a:t>
+            </a:r>
+            <a:r>
+              <a:rPr lang="en-BE" dirty="0"/>
+              <a:t>H</a:t>
+            </a:r>
+            <a:r>
+              <a:rPr lang="fr-BE" dirty="0"/>
+              <a:t>u</a:t>
+            </a:r>
+            <a:r>
+              <a:rPr lang="en-BE" dirty="0"/>
+              <a:t>b </a:t>
+            </a:r>
+            <a:r>
+              <a:rPr lang="fr-BE" dirty="0"/>
+              <a:t>a</a:t>
+            </a:r>
+            <a:r>
+              <a:rPr lang="en-BE" dirty="0"/>
+              <a:t>n</a:t>
+            </a:r>
+            <a:r>
+              <a:rPr lang="fr-BE" dirty="0"/>
+              <a:t>d</a:t>
+            </a:r>
+            <a:r>
+              <a:rPr lang="en-BE" dirty="0"/>
+              <a:t> </a:t>
+            </a:r>
+            <a:r>
+              <a:rPr lang="fr-BE" dirty="0"/>
+              <a:t>G</a:t>
+            </a:r>
+            <a:r>
+              <a:rPr lang="en-BE" dirty="0"/>
+              <a:t>U</a:t>
+            </a:r>
+            <a:r>
+              <a:rPr lang="fr-BE" dirty="0"/>
+              <a:t>I</a:t>
+            </a:r>
+            <a:r>
+              <a:rPr lang="en-BE" dirty="0"/>
+              <a:t> </a:t>
+            </a:r>
+            <a:r>
+              <a:rPr lang="fr-BE" dirty="0"/>
+              <a:t>c</a:t>
+            </a:r>
+            <a:r>
+              <a:rPr lang="en-BE" dirty="0"/>
+              <a:t>l</a:t>
+            </a:r>
+            <a:r>
+              <a:rPr lang="fr-BE" dirty="0"/>
+              <a:t>i</a:t>
+            </a:r>
+            <a:r>
+              <a:rPr lang="en-BE" dirty="0"/>
+              <a:t>e</a:t>
+            </a:r>
+            <a:r>
+              <a:rPr lang="fr-BE" dirty="0"/>
+              <a:t>n</a:t>
+            </a:r>
+            <a:r>
+              <a:rPr lang="en-BE" dirty="0"/>
+              <a:t>t</a:t>
+            </a:r>
+            <a:r>
+              <a:rPr lang="fr-BE" dirty="0"/>
+              <a:t>s</a:t>
+            </a:r>
+            <a:r>
+              <a:rPr lang="en-BE" dirty="0"/>
+              <a:t> </a:t>
+            </a:r>
+            <a:r>
+              <a:rPr lang="fr-BE" dirty="0"/>
+              <a:t>u</a:t>
+            </a:r>
+            <a:r>
+              <a:rPr lang="en-BE" dirty="0"/>
+              <a:t>n</a:t>
+            </a:r>
+            <a:r>
+              <a:rPr lang="fr-BE" dirty="0"/>
+              <a:t>t</a:t>
+            </a:r>
+            <a:r>
+              <a:rPr lang="en-BE" dirty="0" err="1"/>
+              <a:t>i</a:t>
+            </a:r>
+            <a:r>
+              <a:rPr lang="fr-BE" dirty="0"/>
+              <a:t>l</a:t>
+            </a:r>
+            <a:r>
+              <a:rPr lang="en-BE" dirty="0"/>
+              <a:t> </a:t>
+            </a:r>
+            <a:r>
+              <a:rPr lang="fr-BE" dirty="0"/>
+              <a:t>y</a:t>
+            </a:r>
+            <a:r>
+              <a:rPr lang="en-BE" dirty="0"/>
+              <a:t>o</a:t>
+            </a:r>
+            <a:r>
+              <a:rPr lang="fr-BE" dirty="0"/>
+              <a:t>u</a:t>
+            </a:r>
+            <a:r>
+              <a:rPr lang="en-BE" dirty="0"/>
+              <a:t>’</a:t>
+            </a:r>
+            <a:r>
+              <a:rPr lang="fr-BE" dirty="0"/>
+              <a:t>r</a:t>
+            </a:r>
+            <a:r>
+              <a:rPr lang="en-BE" dirty="0"/>
+              <a:t>e comfortable to learn more</a:t>
+            </a:r>
+          </a:p>
+          <a:p>
+            <a:r>
+              <a:rPr lang="fr-BE" dirty="0"/>
+              <a:t>G</a:t>
+            </a:r>
+            <a:r>
+              <a:rPr lang="en-BE" dirty="0" err="1"/>
+              <a:t>i</a:t>
+            </a:r>
+            <a:r>
+              <a:rPr lang="fr-BE" dirty="0"/>
+              <a:t>t</a:t>
+            </a:r>
+            <a:r>
+              <a:rPr lang="en-BE" dirty="0"/>
+              <a:t>H</a:t>
+            </a:r>
+            <a:r>
+              <a:rPr lang="fr-BE" dirty="0"/>
+              <a:t>u</a:t>
+            </a:r>
+            <a:r>
+              <a:rPr lang="en-BE" dirty="0"/>
+              <a:t>b </a:t>
+            </a:r>
+            <a:r>
+              <a:rPr lang="fr-BE" dirty="0"/>
+              <a:t>i</a:t>
+            </a:r>
+            <a:r>
+              <a:rPr lang="en-BE" dirty="0"/>
+              <a:t>s </a:t>
+            </a:r>
+            <a:r>
+              <a:rPr lang="fr-BE" dirty="0"/>
+              <a:t>f</a:t>
+            </a:r>
+            <a:r>
+              <a:rPr lang="en-BE" dirty="0"/>
+              <a:t>r</a:t>
+            </a:r>
+            <a:r>
+              <a:rPr lang="fr-BE" dirty="0"/>
+              <a:t>e</a:t>
+            </a:r>
+            <a:r>
+              <a:rPr lang="en-BE" dirty="0"/>
+              <a:t>e </a:t>
+            </a:r>
+            <a:r>
+              <a:rPr lang="fr-BE" dirty="0"/>
+              <a:t>f</a:t>
+            </a:r>
+            <a:r>
+              <a:rPr lang="en-BE" dirty="0"/>
+              <a:t>o</a:t>
+            </a:r>
+            <a:r>
+              <a:rPr lang="fr-BE" dirty="0"/>
+              <a:t>r</a:t>
+            </a:r>
+            <a:r>
+              <a:rPr lang="en-BE" dirty="0"/>
+              <a:t> </a:t>
+            </a:r>
+            <a:r>
+              <a:rPr lang="fr-BE" dirty="0"/>
+              <a:t>i</a:t>
+            </a:r>
+            <a:r>
+              <a:rPr lang="en-BE" dirty="0"/>
+              <a:t>n</a:t>
+            </a:r>
+            <a:r>
+              <a:rPr lang="fr-BE" dirty="0"/>
+              <a:t>d</a:t>
+            </a:r>
+            <a:r>
+              <a:rPr lang="en-BE" dirty="0" err="1"/>
+              <a:t>i</a:t>
+            </a:r>
+            <a:r>
+              <a:rPr lang="fr-BE" dirty="0"/>
+              <a:t>v</a:t>
+            </a:r>
+            <a:r>
+              <a:rPr lang="en-BE" dirty="0" err="1"/>
+              <a:t>i</a:t>
+            </a:r>
+            <a:r>
+              <a:rPr lang="fr-BE" dirty="0"/>
+              <a:t>d</a:t>
+            </a:r>
+            <a:r>
+              <a:rPr lang="en-BE" dirty="0"/>
+              <a:t>u</a:t>
+            </a:r>
+            <a:r>
+              <a:rPr lang="fr-BE" dirty="0"/>
+              <a:t>a</a:t>
+            </a:r>
+            <a:r>
+              <a:rPr lang="en-BE" dirty="0"/>
+              <a:t>l</a:t>
+            </a:r>
+            <a:r>
+              <a:rPr lang="fr-BE" dirty="0"/>
+              <a:t>s</a:t>
+            </a:r>
+            <a:r>
+              <a:rPr lang="en-BE" dirty="0"/>
+              <a:t> </a:t>
+            </a:r>
+            <a:r>
+              <a:rPr lang="fr-BE" dirty="0"/>
+              <a:t>a</a:t>
+            </a:r>
+            <a:r>
+              <a:rPr lang="en-BE" dirty="0"/>
+              <a:t>n</a:t>
+            </a:r>
+            <a:r>
+              <a:rPr lang="fr-BE" dirty="0"/>
+              <a:t>d</a:t>
+            </a:r>
+            <a:r>
+              <a:rPr lang="en-BE" dirty="0"/>
+              <a:t> </a:t>
+            </a:r>
+            <a:r>
+              <a:rPr lang="fr-BE" dirty="0"/>
+              <a:t>o</a:t>
+            </a:r>
+            <a:r>
+              <a:rPr lang="en-BE" dirty="0"/>
+              <a:t>p</a:t>
+            </a:r>
+            <a:r>
+              <a:rPr lang="fr-BE" dirty="0"/>
+              <a:t>e</a:t>
+            </a:r>
+            <a:r>
+              <a:rPr lang="en-BE" dirty="0"/>
+              <a:t>n </a:t>
+            </a:r>
+            <a:r>
+              <a:rPr lang="fr-BE" dirty="0"/>
+              <a:t>s</a:t>
+            </a:r>
+            <a:r>
+              <a:rPr lang="en-BE" dirty="0"/>
+              <a:t>o</a:t>
+            </a:r>
+            <a:r>
+              <a:rPr lang="fr-BE" dirty="0"/>
+              <a:t>u</a:t>
+            </a:r>
+            <a:r>
+              <a:rPr lang="en-BE" dirty="0"/>
+              <a:t>r</a:t>
+            </a:r>
+            <a:r>
+              <a:rPr lang="fr-BE" dirty="0"/>
+              <a:t>c</a:t>
+            </a:r>
+            <a:r>
+              <a:rPr lang="en-BE" dirty="0"/>
+              <a:t>e </a:t>
+            </a:r>
+            <a:r>
+              <a:rPr lang="fr-BE" dirty="0"/>
+              <a:t>p</a:t>
+            </a:r>
+            <a:r>
+              <a:rPr lang="en-BE" dirty="0"/>
+              <a:t>u</a:t>
+            </a:r>
+            <a:r>
+              <a:rPr lang="fr-BE" dirty="0"/>
+              <a:t>r</a:t>
+            </a:r>
+            <a:r>
+              <a:rPr lang="en-BE" dirty="0"/>
+              <a:t>p</a:t>
+            </a:r>
+            <a:r>
+              <a:rPr lang="fr-BE" dirty="0"/>
+              <a:t>o</a:t>
+            </a:r>
+            <a:r>
+              <a:rPr lang="en-BE" dirty="0"/>
+              <a:t>s</a:t>
+            </a:r>
+            <a:r>
+              <a:rPr lang="fr-BE" dirty="0"/>
+              <a:t>e</a:t>
+            </a:r>
+            <a:r>
+              <a:rPr lang="en-BE" dirty="0"/>
+              <a:t>s</a:t>
+            </a:r>
+          </a:p>
+          <a:p>
+            <a:r>
+              <a:rPr lang="en-BE" dirty="0"/>
+              <a:t>Subscription plans for organizations</a:t>
+            </a:r>
+          </a:p>
+          <a:p>
+            <a:r>
+              <a:rPr lang="en-BE" dirty="0"/>
+              <a:t>Consider alternatives like GitLab</a:t>
+            </a:r>
+          </a:p>
+          <a:p>
+            <a:r>
+              <a:rPr lang="en-BE" dirty="0"/>
+              <a:t>GitHub is not considered very secure</a:t>
+            </a:r>
+          </a:p>
+        </p:txBody>
+      </p:sp>
+    </p:spTree>
+    <p:extLst>
+      <p:ext uri="{BB962C8B-B14F-4D97-AF65-F5344CB8AC3E}">
+        <p14:creationId xmlns:p14="http://schemas.microsoft.com/office/powerpoint/2010/main" val="832195667"/>
+      </p:ext>
+    </p:extLst>
+  </p:cSld>
+  <p:clrMapOvr>
+    <a:masterClrMapping/>
+  </p:clrMapOvr>
+</p:sld>
+</file>
+
+<file path=ppt/slides/slide12.xml><?xml version="1.0" encoding="utf-8"?>
+<p:sld xmlns:a="http://schemas.openxmlformats.org/drawingml/2006/main" xmlns:r="http://schemas.openxmlformats.org/officeDocument/2006/relationships" xmlns:p="http://schemas.openxmlformats.org/presentationml/2006/main">
+  <p:cSld>
+    <p:spTree>
+      <p:nvGrpSpPr>
+        <p:cNvPr id="1" name=""/>
+        <p:cNvGrpSpPr/>
+        <p:nvPr/>
+      </p:nvGrpSpPr>
+      <p:grpSpPr>
+        <a:xfrm>
+          <a:off x="0" y="0"/>
+          <a:ext cx="0" cy="0"/>
+          <a:chOff x="0" y="0"/>
+          <a:chExt cx="0" cy="0"/>
+        </a:xfrm>
+      </p:grpSpPr>
+      <p:sp>
+        <p:nvSpPr>
+          <p:cNvPr id="2" name="Title 1">
+            <a:extLst>
+              <a:ext uri="{FF2B5EF4-FFF2-40B4-BE49-F238E27FC236}">
+                <a16:creationId xmlns:a16="http://schemas.microsoft.com/office/drawing/2014/main" id="{89336603-CAFC-460E-9A29-7E1CA96BF1DA}"/>
+              </a:ext>
+            </a:extLst>
+          </p:cNvPr>
+          <p:cNvSpPr>
+            <a:spLocks noGrp="1"/>
+          </p:cNvSpPr>
+          <p:nvPr>
+            <p:ph type="title"/>
+          </p:nvPr>
+        </p:nvSpPr>
+        <p:spPr/>
+        <p:txBody>
+          <a:bodyPr/>
+          <a:lstStyle/>
+          <a:p>
+            <a:r>
+              <a:rPr lang="fr-BE" dirty="0"/>
+              <a:t>N</a:t>
+            </a:r>
+            <a:r>
+              <a:rPr lang="en-BE" dirty="0"/>
+              <a:t>ow go and learn!</a:t>
+            </a:r>
+          </a:p>
+        </p:txBody>
+      </p:sp>
+      <p:pic>
+        <p:nvPicPr>
+          <p:cNvPr id="5" name="Content Placeholder 4" descr="A picture containing drawing&#10;&#10;Description automatically generated">
+            <a:extLst>
+              <a:ext uri="{FF2B5EF4-FFF2-40B4-BE49-F238E27FC236}">
+                <a16:creationId xmlns:a16="http://schemas.microsoft.com/office/drawing/2014/main" id="{15FF8BAC-D6AF-44B0-93DE-ED8CBE04E4C7}"/>
+              </a:ext>
+            </a:extLst>
+          </p:cNvPr>
+          <p:cNvPicPr>
+            <a:picLocks noGrp="1" noChangeAspect="1"/>
+          </p:cNvPicPr>
+          <p:nvPr>
+            <p:ph idx="1"/>
+          </p:nvPr>
+        </p:nvPicPr>
+        <p:blipFill>
+          <a:blip r:embed="rId2">
+            <a:extLst>
+              <a:ext uri="{28A0092B-C50C-407E-A947-70E740481C1C}">
+                <a14:useLocalDpi xmlns:a14="http://schemas.microsoft.com/office/drawing/2010/main" val="0"/>
+              </a:ext>
+              <a:ext uri="{837473B0-CC2E-450A-ABE3-18F120FF3D39}">
+                <a1611:picAttrSrcUrl xmlns:a1611="http://schemas.microsoft.com/office/drawing/2016/11/main" r:id="rId3"/>
+              </a:ext>
+            </a:extLst>
+          </a:blip>
+          <a:stretch>
+            <a:fillRect/>
+          </a:stretch>
+        </p:blipFill>
+        <p:spPr>
+          <a:xfrm>
+            <a:off x="3124200" y="2329656"/>
+            <a:ext cx="5943600" cy="3343275"/>
+          </a:xfrm>
+        </p:spPr>
+      </p:pic>
+    </p:spTree>
+    <p:extLst>
+      <p:ext uri="{BB962C8B-B14F-4D97-AF65-F5344CB8AC3E}">
+        <p14:creationId xmlns:p14="http://schemas.microsoft.com/office/powerpoint/2010/main" val="3049246020"/>
+      </p:ext>
+    </p:extLst>
+  </p:cSld>
+  <p:clrMapOvr>
+    <a:masterClrMapping/>
+  </p:clrMapOvr>
+</p:sld>
+</file>
+
 <file path=ppt/slides/slide2.xml><?xml version="1.0" encoding="utf-8"?>
 <p:sld xmlns:a="http://schemas.openxmlformats.org/drawingml/2006/main" xmlns:r="http://schemas.openxmlformats.org/officeDocument/2006/relationships" xmlns:p="http://schemas.openxmlformats.org/presentationml/2006/main">
   <p:cSld>
@@ -11453,9 +12155,6 @@
                     <p:cTn id="3" fill="hold">
                       <p:stCondLst>
                         <p:cond delay="indefinite"/>
-                        <p:cond evt="onBegin" delay="0">
-                          <p:tn val="2"/>
-                        </p:cond>
                       </p:stCondLst>
                       <p:childTnLst>
                         <p:par>
@@ -11465,7 +12164,7 @@
                             </p:stCondLst>
                             <p:childTnLst>
                               <p:par>
-                                <p:cTn id="5" presetID="2" presetClass="entr" presetSubtype="4" fill="hold" nodeType="afterEffect">
+                                <p:cTn id="5" presetID="2" presetClass="entr" presetSubtype="4" fill="hold" nodeType="clickEffect">
                                   <p:stCondLst>
                                     <p:cond delay="0"/>
                                   </p:stCondLst>
@@ -12358,15 +13057,6 @@
           <a:solidFill>
             <a:srgbClr val="FFFFFF"/>
           </a:solidFill>
-          <a:extLst>
-            <a:ext uri="{909E8E84-426E-40DD-AFC4-6F175D3DCCD1}">
-              <a14:hiddenFill xmlns:a14="http://schemas.microsoft.com/office/drawing/2010/main">
-                <a:solidFill>
-                  <a:srgbClr val="FFFFFF"/>
-                </a:solidFill>
-              </a14:hiddenFill>
-            </a:ext>
-          </a:extLst>
         </p:spPr>
       </p:pic>
     </p:spTree>
